--- a/graph.pptx
+++ b/graph.pptx
@@ -243,7 +243,7 @@
           <a:p>
             <a:fld id="{B3D128FC-7768-464C-9A85-32497479E6AC}" type="datetimeFigureOut">
               <a:rPr lang="zh-CN" altLang="en-US" smtClean="0"/>
-              <a:t>2017/2/4</a:t>
+              <a:t>2017/2/6</a:t>
             </a:fld>
             <a:endParaRPr lang="zh-CN" altLang="en-US"/>
           </a:p>
@@ -413,7 +413,7 @@
           <a:p>
             <a:fld id="{B3D128FC-7768-464C-9A85-32497479E6AC}" type="datetimeFigureOut">
               <a:rPr lang="zh-CN" altLang="en-US" smtClean="0"/>
-              <a:t>2017/2/4</a:t>
+              <a:t>2017/2/6</a:t>
             </a:fld>
             <a:endParaRPr lang="zh-CN" altLang="en-US"/>
           </a:p>
@@ -593,7 +593,7 @@
           <a:p>
             <a:fld id="{B3D128FC-7768-464C-9A85-32497479E6AC}" type="datetimeFigureOut">
               <a:rPr lang="zh-CN" altLang="en-US" smtClean="0"/>
-              <a:t>2017/2/4</a:t>
+              <a:t>2017/2/6</a:t>
             </a:fld>
             <a:endParaRPr lang="zh-CN" altLang="en-US"/>
           </a:p>
@@ -763,7 +763,7 @@
           <a:p>
             <a:fld id="{B3D128FC-7768-464C-9A85-32497479E6AC}" type="datetimeFigureOut">
               <a:rPr lang="zh-CN" altLang="en-US" smtClean="0"/>
-              <a:t>2017/2/4</a:t>
+              <a:t>2017/2/6</a:t>
             </a:fld>
             <a:endParaRPr lang="zh-CN" altLang="en-US"/>
           </a:p>
@@ -1009,7 +1009,7 @@
           <a:p>
             <a:fld id="{B3D128FC-7768-464C-9A85-32497479E6AC}" type="datetimeFigureOut">
               <a:rPr lang="zh-CN" altLang="en-US" smtClean="0"/>
-              <a:t>2017/2/4</a:t>
+              <a:t>2017/2/6</a:t>
             </a:fld>
             <a:endParaRPr lang="zh-CN" altLang="en-US"/>
           </a:p>
@@ -1241,7 +1241,7 @@
           <a:p>
             <a:fld id="{B3D128FC-7768-464C-9A85-32497479E6AC}" type="datetimeFigureOut">
               <a:rPr lang="zh-CN" altLang="en-US" smtClean="0"/>
-              <a:t>2017/2/4</a:t>
+              <a:t>2017/2/6</a:t>
             </a:fld>
             <a:endParaRPr lang="zh-CN" altLang="en-US"/>
           </a:p>
@@ -1608,7 +1608,7 @@
           <a:p>
             <a:fld id="{B3D128FC-7768-464C-9A85-32497479E6AC}" type="datetimeFigureOut">
               <a:rPr lang="zh-CN" altLang="en-US" smtClean="0"/>
-              <a:t>2017/2/4</a:t>
+              <a:t>2017/2/6</a:t>
             </a:fld>
             <a:endParaRPr lang="zh-CN" altLang="en-US"/>
           </a:p>
@@ -1726,7 +1726,7 @@
           <a:p>
             <a:fld id="{B3D128FC-7768-464C-9A85-32497479E6AC}" type="datetimeFigureOut">
               <a:rPr lang="zh-CN" altLang="en-US" smtClean="0"/>
-              <a:t>2017/2/4</a:t>
+              <a:t>2017/2/6</a:t>
             </a:fld>
             <a:endParaRPr lang="zh-CN" altLang="en-US"/>
           </a:p>
@@ -1821,7 +1821,7 @@
           <a:p>
             <a:fld id="{B3D128FC-7768-464C-9A85-32497479E6AC}" type="datetimeFigureOut">
               <a:rPr lang="zh-CN" altLang="en-US" smtClean="0"/>
-              <a:t>2017/2/4</a:t>
+              <a:t>2017/2/6</a:t>
             </a:fld>
             <a:endParaRPr lang="zh-CN" altLang="en-US"/>
           </a:p>
@@ -2098,7 +2098,7 @@
           <a:p>
             <a:fld id="{B3D128FC-7768-464C-9A85-32497479E6AC}" type="datetimeFigureOut">
               <a:rPr lang="zh-CN" altLang="en-US" smtClean="0"/>
-              <a:t>2017/2/4</a:t>
+              <a:t>2017/2/6</a:t>
             </a:fld>
             <a:endParaRPr lang="zh-CN" altLang="en-US"/>
           </a:p>
@@ -2351,7 +2351,7 @@
           <a:p>
             <a:fld id="{B3D128FC-7768-464C-9A85-32497479E6AC}" type="datetimeFigureOut">
               <a:rPr lang="zh-CN" altLang="en-US" smtClean="0"/>
-              <a:t>2017/2/4</a:t>
+              <a:t>2017/2/6</a:t>
             </a:fld>
             <a:endParaRPr lang="zh-CN" altLang="en-US"/>
           </a:p>
@@ -2564,7 +2564,7 @@
           <a:p>
             <a:fld id="{B3D128FC-7768-464C-9A85-32497479E6AC}" type="datetimeFigureOut">
               <a:rPr lang="zh-CN" altLang="en-US" smtClean="0"/>
-              <a:t>2017/2/4</a:t>
+              <a:t>2017/2/6</a:t>
             </a:fld>
             <a:endParaRPr lang="zh-CN" altLang="en-US"/>
           </a:p>
@@ -3858,6 +3858,150 @@
           </a:p>
         </p:txBody>
       </p:sp>
+      <p:sp>
+        <p:nvSpPr>
+          <p:cNvPr id="9" name="矩形 8"/>
+          <p:cNvSpPr/>
+          <p:nvPr/>
+        </p:nvSpPr>
+        <p:spPr>
+          <a:xfrm>
+            <a:off x="2250769" y="5739450"/>
+            <a:ext cx="3166620" cy="215444"/>
+          </a:xfrm>
+          <a:prstGeom prst="rect">
+            <a:avLst/>
+          </a:prstGeom>
+          <a:ln>
+            <a:solidFill>
+              <a:schemeClr val="accent1">
+                <a:lumMod val="75000"/>
+              </a:schemeClr>
+            </a:solidFill>
+          </a:ln>
+        </p:spPr>
+        <p:txBody>
+          <a:bodyPr wrap="square">
+            <a:spAutoFit/>
+          </a:bodyPr>
+          <a:lstStyle/>
+          <a:p>
+            <a:r>
+              <a:rPr lang="en-US" altLang="zh-CN" sz="800" kern="0" dirty="0">
+                <a:latin typeface="Consolas" panose="020B0609020204030204" pitchFamily="49" charset="0"/>
+              </a:rPr>
+              <a:t>p</a:t>
+            </a:r>
+            <a:r>
+              <a:rPr lang="en-US" altLang="zh-CN" sz="800" kern="0" dirty="0" smtClean="0">
+                <a:latin typeface="Consolas" panose="020B0609020204030204" pitchFamily="49" charset="0"/>
+              </a:rPr>
+              <a:t>ython slaver.py </a:t>
+            </a:r>
+            <a:r>
+              <a:rPr lang="en-US" altLang="zh-CN" sz="800" kern="0" dirty="0">
+                <a:latin typeface="Consolas" panose="020B0609020204030204" pitchFamily="49" charset="0"/>
+              </a:rPr>
+              <a:t>-m 22.33.44.55:10000 -t 127.0.0.1:22</a:t>
+            </a:r>
+            <a:endParaRPr lang="zh-CN" altLang="en-US" sz="800" dirty="0">
+              <a:latin typeface="Consolas" panose="020B0609020204030204" pitchFamily="49" charset="0"/>
+            </a:endParaRPr>
+          </a:p>
+        </p:txBody>
+      </p:sp>
+      <p:sp>
+        <p:nvSpPr>
+          <p:cNvPr id="31" name="矩形 30"/>
+          <p:cNvSpPr/>
+          <p:nvPr/>
+        </p:nvSpPr>
+        <p:spPr>
+          <a:xfrm>
+            <a:off x="6726331" y="4413889"/>
+            <a:ext cx="3025634" cy="215444"/>
+          </a:xfrm>
+          <a:prstGeom prst="rect">
+            <a:avLst/>
+          </a:prstGeom>
+          <a:ln>
+            <a:solidFill>
+              <a:schemeClr val="accent1">
+                <a:lumMod val="75000"/>
+              </a:schemeClr>
+            </a:solidFill>
+          </a:ln>
+        </p:spPr>
+        <p:txBody>
+          <a:bodyPr wrap="square">
+            <a:spAutoFit/>
+          </a:bodyPr>
+          <a:lstStyle/>
+          <a:p>
+            <a:r>
+              <a:rPr lang="en-US" altLang="zh-CN" sz="800" kern="0" dirty="0" smtClean="0">
+                <a:latin typeface="Consolas" panose="020B0609020204030204" pitchFamily="49" charset="0"/>
+              </a:rPr>
+              <a:t>python3 master.py </a:t>
+            </a:r>
+            <a:r>
+              <a:rPr lang="en-US" altLang="zh-CN" sz="800" kern="0" dirty="0">
+                <a:latin typeface="Consolas" panose="020B0609020204030204" pitchFamily="49" charset="0"/>
+              </a:rPr>
+              <a:t>-m </a:t>
+            </a:r>
+            <a:r>
+              <a:rPr lang="en-US" altLang="zh-CN" sz="800" kern="0" dirty="0" smtClean="0">
+                <a:latin typeface="Consolas" panose="020B0609020204030204" pitchFamily="49" charset="0"/>
+              </a:rPr>
+              <a:t>0.0.0.0:10000 –c 0.0.0.0:10022</a:t>
+            </a:r>
+            <a:endParaRPr lang="zh-CN" altLang="en-US" sz="800" dirty="0">
+              <a:latin typeface="Consolas" panose="020B0609020204030204" pitchFamily="49" charset="0"/>
+            </a:endParaRPr>
+          </a:p>
+        </p:txBody>
+      </p:sp>
+      <p:sp>
+        <p:nvSpPr>
+          <p:cNvPr id="32" name="矩形 31"/>
+          <p:cNvSpPr/>
+          <p:nvPr/>
+        </p:nvSpPr>
+        <p:spPr>
+          <a:xfrm>
+            <a:off x="7115868" y="5831184"/>
+            <a:ext cx="1550213" cy="215444"/>
+          </a:xfrm>
+          <a:prstGeom prst="rect">
+            <a:avLst/>
+          </a:prstGeom>
+          <a:ln>
+            <a:solidFill>
+              <a:schemeClr val="accent1">
+                <a:lumMod val="75000"/>
+              </a:schemeClr>
+            </a:solidFill>
+          </a:ln>
+        </p:spPr>
+        <p:txBody>
+          <a:bodyPr wrap="square">
+            <a:spAutoFit/>
+          </a:bodyPr>
+          <a:lstStyle/>
+          <a:p>
+            <a:r>
+              <a:rPr lang="en-US" altLang="zh-CN" sz="800" dirty="0" smtClean="0">
+                <a:latin typeface="Consolas" panose="020B0609020204030204" pitchFamily="49" charset="0"/>
+              </a:rPr>
+              <a:t>ssh 22.33.44.55 –p 10022</a:t>
+            </a:r>
+            <a:endParaRPr lang="zh-CN" altLang="en-US" sz="800" dirty="0">
+              <a:latin typeface="Consolas" panose="020B0609020204030204" pitchFamily="49" charset="0"/>
+            </a:endParaRPr>
+          </a:p>
+        </p:txBody>
+      </p:sp>
     </p:spTree>
     <p:extLst>
       <p:ext uri="{BB962C8B-B14F-4D97-AF65-F5344CB8AC3E}">
